--- a/materials/Big_Data_Project_Template.pptx
+++ b/materials/Big_Data_Project_Template.pptx
@@ -8,13 +8,18 @@
     <p:sldId id="256" r:id="rId3"/>
     <p:sldId id="257" r:id="rId4"/>
     <p:sldId id="258" r:id="rId5"/>
-    <p:sldId id="259" r:id="rId6"/>
-    <p:sldId id="260" r:id="rId7"/>
-    <p:sldId id="261" r:id="rId8"/>
-    <p:sldId id="262" r:id="rId9"/>
-    <p:sldId id="263" r:id="rId10"/>
-    <p:sldId id="264" r:id="rId11"/>
-    <p:sldId id="265" r:id="rId12"/>
+    <p:sldId id="268" r:id="rId6"/>
+    <p:sldId id="259" r:id="rId7"/>
+    <p:sldId id="269" r:id="rId8"/>
+    <p:sldId id="270" r:id="rId9"/>
+    <p:sldId id="266" r:id="rId10"/>
+    <p:sldId id="271" r:id="rId11"/>
+    <p:sldId id="260" r:id="rId12"/>
+    <p:sldId id="261" r:id="rId13"/>
+    <p:sldId id="262" r:id="rId14"/>
+    <p:sldId id="263" r:id="rId15"/>
+    <p:sldId id="264" r:id="rId16"/>
+    <p:sldId id="265" r:id="rId17"/>
   </p:sldIdLst>
   <p:sldSz cx="12192000" cy="6858000"/>
   <p:notesSz cx="6858000" cy="9144000"/>
@@ -3158,6 +3163,450 @@
           <a:lstStyle/>
           <a:p>
             <a:r>
+              <a:t>Data Exploration</a:t>
+            </a:r>
+          </a:p>
+        </p:txBody>
+      </p:sp>
+      <p:sp>
+        <p:nvSpPr>
+          <p:cNvPr id="3" name="Content Placeholder 2"/>
+          <p:cNvSpPr>
+            <a:spLocks noGrp="1"/>
+          </p:cNvSpPr>
+          <p:nvPr>
+            <p:ph idx="1"/>
+          </p:nvPr>
+        </p:nvSpPr>
+        <p:spPr/>
+        <p:txBody>
+          <a:bodyPr/>
+          <a:lstStyle/>
+          <a:p>
+            <a:r>
+              <a:t>Initial Insights</a:t>
+            </a:r>
+          </a:p>
+          <a:p>
+            <a:pPr lvl="1"/>
+            <a:r>
+              <a:t>Basic statistics (mean, median, mode, etc.)</a:t>
+            </a:r>
+          </a:p>
+          <a:p>
+            <a:pPr lvl="1"/>
+            <a:r>
+              <a:rPr lang="en-US"/>
+              <a:t>V</a:t>
+            </a:r>
+            <a:r>
+              <a:t>isualizations (histograms, scatter plots, etc.)</a:t>
+            </a:r>
+          </a:p>
+          <a:p>
+            <a:pPr lvl="0"/>
+            <a:r>
+              <a:t>Challenges Faced</a:t>
+            </a:r>
+          </a:p>
+          <a:p>
+            <a:pPr lvl="1"/>
+            <a:r>
+              <a:t>Issues encountered during data exploration</a:t>
+            </a:r>
+          </a:p>
+        </p:txBody>
+      </p:sp>
+    </p:spTree>
+  </p:cSld>
+  <p:clrMapOvr>
+    <a:masterClrMapping/>
+  </p:clrMapOvr>
+</p:sld>
+</file>
+
+<file path=ppt/slides/slide11.xml><?xml version="1.0" encoding="utf-8"?>
+<p:sld xmlns:a="http://schemas.openxmlformats.org/drawingml/2006/main" xmlns:r="http://schemas.openxmlformats.org/officeDocument/2006/relationships" xmlns:p="http://schemas.openxmlformats.org/presentationml/2006/main">
+  <p:cSld>
+    <p:spTree>
+      <p:nvGrpSpPr>
+        <p:cNvPr id="1" name=""/>
+        <p:cNvGrpSpPr/>
+        <p:nvPr/>
+      </p:nvGrpSpPr>
+      <p:grpSpPr/>
+      <p:sp>
+        <p:nvSpPr>
+          <p:cNvPr id="2" name="Title 1"/>
+          <p:cNvSpPr>
+            <a:spLocks noGrp="1"/>
+          </p:cNvSpPr>
+          <p:nvPr>
+            <p:ph type="title"/>
+          </p:nvPr>
+        </p:nvSpPr>
+        <p:spPr/>
+        <p:txBody>
+          <a:bodyPr/>
+          <a:lstStyle/>
+          <a:p>
+            <a:r>
+              <a:t>Insight Extraction</a:t>
+            </a:r>
+          </a:p>
+        </p:txBody>
+      </p:sp>
+      <p:sp>
+        <p:nvSpPr>
+          <p:cNvPr id="3" name="Content Placeholder 2"/>
+          <p:cNvSpPr>
+            <a:spLocks noGrp="1"/>
+          </p:cNvSpPr>
+          <p:nvPr>
+            <p:ph idx="1"/>
+          </p:nvPr>
+        </p:nvSpPr>
+        <p:spPr/>
+        <p:txBody>
+          <a:bodyPr/>
+          <a:lstStyle/>
+          <a:p>
+            <a:r>
+              <a:t>Methodology</a:t>
+            </a:r>
+          </a:p>
+          <a:p>
+            <a:pPr lvl="1"/>
+            <a:r>
+              <a:rPr lang="en-US"/>
+              <a:t>Types of chosne visuals </a:t>
+            </a:r>
+            <a:endParaRPr lang="en-US"/>
+          </a:p>
+          <a:p>
+            <a:pPr lvl="1"/>
+            <a:r>
+              <a:t>Justification for the chosen methods</a:t>
+            </a:r>
+          </a:p>
+          <a:p>
+            <a:r>
+              <a:t>Key Findings</a:t>
+            </a:r>
+          </a:p>
+          <a:p>
+            <a:pPr lvl="1"/>
+            <a:r>
+              <a:t>Main insights derived from the data</a:t>
+            </a:r>
+          </a:p>
+          <a:p>
+            <a:pPr lvl="1"/>
+            <a:r>
+              <a:t>Supporting visualizations and graphs</a:t>
+            </a:r>
+          </a:p>
+        </p:txBody>
+      </p:sp>
+    </p:spTree>
+  </p:cSld>
+  <p:clrMapOvr>
+    <a:masterClrMapping/>
+  </p:clrMapOvr>
+</p:sld>
+</file>
+
+<file path=ppt/slides/slide12.xml><?xml version="1.0" encoding="utf-8"?>
+<p:sld xmlns:a="http://schemas.openxmlformats.org/drawingml/2006/main" xmlns:r="http://schemas.openxmlformats.org/officeDocument/2006/relationships" xmlns:p="http://schemas.openxmlformats.org/presentationml/2006/main">
+  <p:cSld>
+    <p:spTree>
+      <p:nvGrpSpPr>
+        <p:cNvPr id="1" name=""/>
+        <p:cNvGrpSpPr/>
+        <p:nvPr/>
+      </p:nvGrpSpPr>
+      <p:grpSpPr/>
+      <p:sp>
+        <p:nvSpPr>
+          <p:cNvPr id="2" name="Title 1"/>
+          <p:cNvSpPr>
+            <a:spLocks noGrp="1"/>
+          </p:cNvSpPr>
+          <p:nvPr>
+            <p:ph type="title"/>
+          </p:nvPr>
+        </p:nvSpPr>
+        <p:spPr/>
+        <p:txBody>
+          <a:bodyPr/>
+          <a:lstStyle/>
+          <a:p>
+            <a:r>
+              <a:t>Storytelling with Data</a:t>
+            </a:r>
+          </a:p>
+        </p:txBody>
+      </p:sp>
+      <p:sp>
+        <p:nvSpPr>
+          <p:cNvPr id="3" name="Content Placeholder 2"/>
+          <p:cNvSpPr>
+            <a:spLocks noGrp="1"/>
+          </p:cNvSpPr>
+          <p:nvPr>
+            <p:ph idx="1"/>
+          </p:nvPr>
+        </p:nvSpPr>
+        <p:spPr/>
+        <p:txBody>
+          <a:bodyPr/>
+          <a:lstStyle/>
+          <a:p>
+            <a:r>
+              <a:t>Narrative</a:t>
+            </a:r>
+          </a:p>
+          <a:p>
+            <a:pPr lvl="1"/>
+            <a:r>
+              <a:t>How the insights relate to the real world</a:t>
+            </a:r>
+          </a:p>
+          <a:p>
+            <a:pPr lvl="1"/>
+            <a:r>
+              <a:t>The story behind the data</a:t>
+            </a:r>
+          </a:p>
+          <a:p>
+            <a:r>
+              <a:t>Impact</a:t>
+            </a:r>
+          </a:p>
+          <a:p>
+            <a:pPr lvl="1"/>
+            <a:r>
+              <a:t>Potential implications of the findings</a:t>
+            </a:r>
+          </a:p>
+          <a:p>
+            <a:pPr lvl="1"/>
+            <a:r>
+              <a:t>How these insights can be used</a:t>
+            </a:r>
+          </a:p>
+        </p:txBody>
+      </p:sp>
+    </p:spTree>
+  </p:cSld>
+  <p:clrMapOvr>
+    <a:masterClrMapping/>
+  </p:clrMapOvr>
+</p:sld>
+</file>
+
+<file path=ppt/slides/slide13.xml><?xml version="1.0" encoding="utf-8"?>
+<p:sld xmlns:a="http://schemas.openxmlformats.org/drawingml/2006/main" xmlns:r="http://schemas.openxmlformats.org/officeDocument/2006/relationships" xmlns:p="http://schemas.openxmlformats.org/presentationml/2006/main">
+  <p:cSld>
+    <p:spTree>
+      <p:nvGrpSpPr>
+        <p:cNvPr id="1" name=""/>
+        <p:cNvGrpSpPr/>
+        <p:nvPr/>
+      </p:nvGrpSpPr>
+      <p:grpSpPr/>
+      <p:sp>
+        <p:nvSpPr>
+          <p:cNvPr id="2" name="Title 1"/>
+          <p:cNvSpPr>
+            <a:spLocks noGrp="1"/>
+          </p:cNvSpPr>
+          <p:nvPr>
+            <p:ph type="title"/>
+          </p:nvPr>
+        </p:nvSpPr>
+        <p:spPr/>
+        <p:txBody>
+          <a:bodyPr/>
+          <a:lstStyle/>
+          <a:p>
+            <a:r>
+              <a:t>Conclusion</a:t>
+            </a:r>
+          </a:p>
+        </p:txBody>
+      </p:sp>
+      <p:sp>
+        <p:nvSpPr>
+          <p:cNvPr id="3" name="Content Placeholder 2"/>
+          <p:cNvSpPr>
+            <a:spLocks noGrp="1"/>
+          </p:cNvSpPr>
+          <p:nvPr>
+            <p:ph idx="1"/>
+          </p:nvPr>
+        </p:nvSpPr>
+        <p:spPr/>
+        <p:txBody>
+          <a:bodyPr>
+            <a:normAutofit lnSpcReduction="20000"/>
+          </a:bodyPr>
+          <a:lstStyle/>
+          <a:p>
+            <a:r>
+              <a:t>Summary of Insights</a:t>
+            </a:r>
+          </a:p>
+          <a:p>
+            <a:pPr lvl="1"/>
+            <a:r>
+              <a:t>Recap of the main findings</a:t>
+            </a:r>
+          </a:p>
+          <a:p>
+            <a:r>
+              <a:t>Lessons Learned</a:t>
+            </a:r>
+          </a:p>
+          <a:p>
+            <a:pPr lvl="1"/>
+            <a:r>
+              <a:t>What students learned through the project</a:t>
+            </a:r>
+          </a:p>
+          <a:p>
+            <a:pPr lvl="1" algn="l">
+              <a:buClrTx/>
+              <a:buSzTx/>
+            </a:pPr>
+            <a:r>
+              <a:rPr>
+                <a:sym typeface="+mn-ea"/>
+              </a:rPr>
+              <a:t>Review project outcomes</a:t>
+            </a:r>
+          </a:p>
+          <a:p>
+            <a:pPr lvl="1"/>
+          </a:p>
+          <a:p>
+            <a:r>
+              <a:t>Future Work</a:t>
+            </a:r>
+          </a:p>
+          <a:p>
+            <a:pPr lvl="1"/>
+            <a:r>
+              <a:t>Suggestions for further analysis or research</a:t>
+            </a:r>
+            <a:r>
+              <a:rPr lang="en-US"/>
+              <a:t> directions </a:t>
+            </a:r>
+            <a:endParaRPr lang="en-US"/>
+          </a:p>
+        </p:txBody>
+      </p:sp>
+    </p:spTree>
+  </p:cSld>
+  <p:clrMapOvr>
+    <a:masterClrMapping/>
+  </p:clrMapOvr>
+</p:sld>
+</file>
+
+<file path=ppt/slides/slide14.xml><?xml version="1.0" encoding="utf-8"?>
+<p:sld xmlns:a="http://schemas.openxmlformats.org/drawingml/2006/main" xmlns:r="http://schemas.openxmlformats.org/officeDocument/2006/relationships" xmlns:p="http://schemas.openxmlformats.org/presentationml/2006/main">
+  <p:cSld>
+    <p:spTree>
+      <p:nvGrpSpPr>
+        <p:cNvPr id="1" name=""/>
+        <p:cNvGrpSpPr/>
+        <p:nvPr/>
+      </p:nvGrpSpPr>
+      <p:grpSpPr/>
+      <p:sp>
+        <p:nvSpPr>
+          <p:cNvPr id="2" name="Title 1"/>
+          <p:cNvSpPr>
+            <a:spLocks noGrp="1"/>
+          </p:cNvSpPr>
+          <p:nvPr>
+            <p:ph type="title"/>
+          </p:nvPr>
+        </p:nvSpPr>
+        <p:spPr/>
+        <p:txBody>
+          <a:bodyPr/>
+          <a:lstStyle/>
+          <a:p>
+            <a:r>
+              <a:t>Q&amp;A</a:t>
+            </a:r>
+          </a:p>
+        </p:txBody>
+      </p:sp>
+      <p:sp>
+        <p:nvSpPr>
+          <p:cNvPr id="3" name="Content Placeholder 2"/>
+          <p:cNvSpPr>
+            <a:spLocks noGrp="1"/>
+          </p:cNvSpPr>
+          <p:nvPr>
+            <p:ph idx="1"/>
+          </p:nvPr>
+        </p:nvSpPr>
+        <p:spPr/>
+        <p:txBody>
+          <a:bodyPr/>
+          <a:lstStyle/>
+          <a:p>
+            <a:r>
+              <a:t>Invite Questions</a:t>
+            </a:r>
+          </a:p>
+          <a:p>
+            <a:pPr lvl="1"/>
+            <a:r>
+              <a:t>Open the floor for any questions from the audience</a:t>
+            </a:r>
+          </a:p>
+        </p:txBody>
+      </p:sp>
+    </p:spTree>
+  </p:cSld>
+  <p:clrMapOvr>
+    <a:masterClrMapping/>
+  </p:clrMapOvr>
+</p:sld>
+</file>
+
+<file path=ppt/slides/slide15.xml><?xml version="1.0" encoding="utf-8"?>
+<p:sld xmlns:a="http://schemas.openxmlformats.org/drawingml/2006/main" xmlns:r="http://schemas.openxmlformats.org/officeDocument/2006/relationships" xmlns:p="http://schemas.openxmlformats.org/presentationml/2006/main">
+  <p:cSld>
+    <p:spTree>
+      <p:nvGrpSpPr>
+        <p:cNvPr id="1" name=""/>
+        <p:cNvGrpSpPr/>
+        <p:nvPr/>
+      </p:nvGrpSpPr>
+      <p:grpSpPr/>
+      <p:sp>
+        <p:nvSpPr>
+          <p:cNvPr id="2" name="Title 1"/>
+          <p:cNvSpPr>
+            <a:spLocks noGrp="1"/>
+          </p:cNvSpPr>
+          <p:nvPr>
+            <p:ph type="title"/>
+          </p:nvPr>
+        </p:nvSpPr>
+        <p:spPr/>
+        <p:txBody>
+          <a:bodyPr/>
+          <a:lstStyle/>
+          <a:p>
+            <a:r>
               <a:t>References</a:t>
             </a:r>
           </a:p>
@@ -3333,6 +3782,13 @@
             </a:r>
           </a:p>
           <a:p>
+            <a:pPr lvl="1"/>
+            <a:r>
+              <a:rPr lang="en-US"/>
+              <a:t>dataset quality </a:t>
+            </a:r>
+          </a:p>
+          <a:p>
             <a:r>
               <a:rPr lang="en-US"/>
               <a:t>R</a:t>
@@ -3386,11 +3842,12 @@
         <p:spPr/>
         <p:txBody>
           <a:bodyPr/>
-          <a:lstStyle/>
-          <a:p>
-            <a:r>
-              <a:t>Data Preparation</a:t>
-            </a:r>
+          <a:p>
+            <a:r>
+              <a:rPr lang="en-US" altLang="en-GB"/>
+              <a:t>Data Model </a:t>
+            </a:r>
+            <a:endParaRPr lang="en-US" altLang="en-GB"/>
           </a:p>
         </p:txBody>
       </p:sp>
@@ -3406,61 +3863,13 @@
         </p:nvSpPr>
         <p:spPr/>
         <p:txBody>
-          <a:bodyPr>
-            <a:normAutofit lnSpcReduction="10000"/>
-          </a:bodyPr>
-          <a:lstStyle/>
-          <a:p>
-            <a:r>
-              <a:t>Data Cleaning</a:t>
-            </a:r>
-          </a:p>
-          <a:p>
-            <a:pPr lvl="1"/>
-            <a:r>
-              <a:t>Handling missing values</a:t>
-            </a:r>
-          </a:p>
-          <a:p>
-            <a:pPr lvl="1"/>
-            <a:r>
-              <a:t>Removing duplicates</a:t>
-            </a:r>
-          </a:p>
-          <a:p>
-            <a:pPr lvl="1"/>
-            <a:r>
-              <a:t>Data normalization/standardization</a:t>
-            </a:r>
-          </a:p>
-          <a:p>
-            <a:pPr lvl="0"/>
-            <a:r>
-              <a:t>Data Transformation</a:t>
-            </a:r>
-          </a:p>
-          <a:p>
-            <a:pPr lvl="1"/>
-            <a:r>
-              <a:t>Feature engineering</a:t>
-            </a:r>
-          </a:p>
-          <a:p>
-            <a:pPr lvl="1"/>
-            <a:r>
-              <a:t>Encoding categorical variables</a:t>
-            </a:r>
-          </a:p>
-          <a:p>
-            <a:r>
-              <a:t>Tools Used</a:t>
-            </a:r>
-          </a:p>
-          <a:p>
-            <a:pPr lvl="1"/>
-            <a:r>
-              <a:t>Software and libraries utilized</a:t>
-            </a:r>
+          <a:bodyPr/>
+          <a:p>
+            <a:r>
+              <a:rPr lang="en-US" altLang="en-GB"/>
+              <a:t>what is the best data model for your dataset </a:t>
+            </a:r>
+            <a:endParaRPr lang="en-US" altLang="en-GB"/>
           </a:p>
         </p:txBody>
       </p:sp>
@@ -3498,7 +3907,7 @@
           <a:lstStyle/>
           <a:p>
             <a:r>
-              <a:t>Data Exploration</a:t>
+              <a:t>Data Preparation</a:t>
             </a:r>
           </a:p>
         </p:txBody>
@@ -3515,39 +3924,52 @@
         </p:nvSpPr>
         <p:spPr/>
         <p:txBody>
-          <a:bodyPr/>
-          <a:lstStyle/>
-          <a:p>
-            <a:r>
-              <a:t>Initial Insights</a:t>
+          <a:bodyPr>
+            <a:normAutofit/>
+          </a:bodyPr>
+          <a:lstStyle/>
+          <a:p>
+            <a:pPr lvl="0"/>
+            <a:r>
+              <a:rPr lang="en-US"/>
+              <a:t>Data cleaning </a:t>
+            </a:r>
+            <a:endParaRPr lang="en-US"/>
+          </a:p>
+          <a:p>
+            <a:pPr lvl="0"/>
+            <a:r>
+              <a:rPr lang="en-US"/>
+              <a:t>Data processing </a:t>
+            </a:r>
+          </a:p>
+          <a:p>
+            <a:pPr lvl="0"/>
+            <a:r>
+              <a:t>Data Transformation</a:t>
             </a:r>
           </a:p>
           <a:p>
             <a:pPr lvl="1"/>
             <a:r>
-              <a:t>Basic statistics (mean, median, mode, etc.)</a:t>
+              <a:t>Feature engineering</a:t>
             </a:r>
           </a:p>
           <a:p>
             <a:pPr lvl="1"/>
             <a:r>
-              <a:rPr lang="en-US"/>
-              <a:t>V</a:t>
-            </a:r>
-            <a:r>
-              <a:t>isualizations (histograms, scatter plots, etc.)</a:t>
-            </a:r>
-          </a:p>
-          <a:p>
-            <a:pPr lvl="0"/>
-            <a:r>
-              <a:t>Challenges Faced</a:t>
+              <a:t>Encoding categorical variables</a:t>
+            </a:r>
+          </a:p>
+          <a:p>
+            <a:r>
+              <a:t>Tools Used</a:t>
             </a:r>
           </a:p>
           <a:p>
             <a:pPr lvl="1"/>
             <a:r>
-              <a:t>Issues encountered during data exploration</a:t>
+              <a:t>Software and libraries utilized</a:t>
             </a:r>
           </a:p>
         </p:txBody>
@@ -3583,11 +4005,14 @@
         <p:spPr/>
         <p:txBody>
           <a:bodyPr/>
-          <a:lstStyle/>
-          <a:p>
-            <a:r>
-              <a:t>Insight Extraction</a:t>
-            </a:r>
+          <a:p>
+            <a:r>
+              <a:rPr>
+                <a:sym typeface="+mn-ea"/>
+              </a:rPr>
+              <a:t>Data Cleaning</a:t>
+            </a:r>
+            <a:endParaRPr lang="en-GB" altLang="en-US"/>
           </a:p>
         </p:txBody>
       </p:sp>
@@ -3604,41 +4029,58 @@
         <p:spPr/>
         <p:txBody>
           <a:bodyPr/>
-          <a:lstStyle/>
-          <a:p>
-            <a:r>
-              <a:t>Methodology</a:t>
-            </a:r>
-          </a:p>
-          <a:p>
-            <a:pPr lvl="1"/>
-            <a:r>
-              <a:rPr lang="en-US"/>
-              <a:t>Types of chosne visuals </a:t>
-            </a:r>
-          </a:p>
-          <a:p>
-            <a:pPr lvl="1"/>
-            <a:r>
-              <a:t>Justification for the chosen methods</a:t>
-            </a:r>
-          </a:p>
-          <a:p>
-            <a:r>
-              <a:t>Key Findings</a:t>
-            </a:r>
-          </a:p>
-          <a:p>
-            <a:pPr lvl="1"/>
-            <a:r>
-              <a:t>Main insights derived from the data</a:t>
-            </a:r>
-          </a:p>
-          <a:p>
-            <a:pPr lvl="1"/>
-            <a:r>
-              <a:t>Supporting visualizations and graphs</a:t>
-            </a:r>
+          <a:p>
+            <a:pPr lvl="0"/>
+            <a:r>
+              <a:rPr sz="3655">
+                <a:sym typeface="+mn-ea"/>
+              </a:rPr>
+              <a:t>Handling missing values</a:t>
+            </a:r>
+            <a:endParaRPr sz="3655">
+              <a:sym typeface="+mn-ea"/>
+            </a:endParaRPr>
+          </a:p>
+          <a:p>
+            <a:pPr lvl="0"/>
+            <a:r>
+              <a:rPr sz="3655">
+                <a:sym typeface="+mn-ea"/>
+              </a:rPr>
+              <a:t>Removing duplicates</a:t>
+            </a:r>
+            <a:r>
+              <a:rPr lang="en-US" sz="3655">
+                <a:sym typeface="+mn-ea"/>
+              </a:rPr>
+              <a:t> or explain if duplicates is normal </a:t>
+            </a:r>
+            <a:endParaRPr lang="en-US" sz="3655"/>
+          </a:p>
+          <a:p>
+            <a:pPr lvl="0"/>
+            <a:r>
+              <a:rPr lang="en-US" altLang="en-GB" sz="3655">
+                <a:sym typeface="+mn-ea"/>
+              </a:rPr>
+              <a:t> Fix inconsistencies</a:t>
+            </a:r>
+            <a:endParaRPr lang="en-US" altLang="en-GB" sz="3655"/>
+          </a:p>
+          <a:p>
+            <a:pPr lvl="0"/>
+            <a:r>
+              <a:rPr lang="en-US" altLang="en-GB" sz="3655">
+                <a:sym typeface="+mn-ea"/>
+              </a:rPr>
+              <a:t>Validate data types</a:t>
+            </a:r>
+            <a:endParaRPr lang="en-US" altLang="en-GB" sz="3655">
+              <a:sym typeface="+mn-ea"/>
+            </a:endParaRPr>
+          </a:p>
+          <a:p>
+            <a:endParaRPr lang="en-GB" altLang="en-US"/>
           </a:p>
         </p:txBody>
       </p:sp>
@@ -3673,11 +4115,12 @@
         <p:spPr/>
         <p:txBody>
           <a:bodyPr/>
-          <a:lstStyle/>
-          <a:p>
-            <a:r>
-              <a:t>Storytelling with Data</a:t>
-            </a:r>
+          <a:p>
+            <a:r>
+              <a:rPr lang="en-US" altLang="en-GB"/>
+              <a:t>Data Processing</a:t>
+            </a:r>
+            <a:endParaRPr lang="en-US" altLang="en-GB"/>
           </a:p>
         </p:txBody>
       </p:sp>
@@ -3694,40 +4137,34 @@
         <p:spPr/>
         <p:txBody>
           <a:bodyPr/>
-          <a:lstStyle/>
-          <a:p>
-            <a:r>
-              <a:t>Narrative</a:t>
-            </a:r>
-          </a:p>
-          <a:p>
-            <a:pPr lvl="1"/>
-            <a:r>
-              <a:t>How the insights relate to the real world</a:t>
-            </a:r>
-          </a:p>
-          <a:p>
-            <a:pPr lvl="1"/>
-            <a:r>
-              <a:t>The story behind the data</a:t>
-            </a:r>
-          </a:p>
-          <a:p>
-            <a:r>
-              <a:t>Impact</a:t>
-            </a:r>
-          </a:p>
-          <a:p>
-            <a:pPr lvl="1"/>
-            <a:r>
-              <a:t>Potential implications of the findings</a:t>
-            </a:r>
-          </a:p>
-          <a:p>
-            <a:pPr lvl="1"/>
-            <a:r>
-              <a:t>How these insights can be used</a:t>
-            </a:r>
+          <a:p>
+            <a:r>
+              <a:rPr>
+                <a:sym typeface="+mn-ea"/>
+              </a:rPr>
+              <a:t>Data normalization/standardization</a:t>
+            </a:r>
+            <a:endParaRPr lang="en-US" altLang="en-GB"/>
+          </a:p>
+          <a:p>
+            <a:r>
+              <a:rPr lang="en-US" altLang="en-GB"/>
+              <a:t>Feature engineering</a:t>
+            </a:r>
+            <a:endParaRPr lang="en-US" altLang="en-GB"/>
+          </a:p>
+          <a:p>
+            <a:r>
+              <a:rPr lang="en-US" altLang="en-GB"/>
+              <a:t>Data transformation</a:t>
+            </a:r>
+            <a:endParaRPr lang="en-US" altLang="en-GB"/>
+          </a:p>
+          <a:p>
+            <a:pPr marL="0" indent="0">
+              <a:buNone/>
+            </a:pPr>
+            <a:endParaRPr lang="en-US" altLang="en-GB"/>
           </a:p>
         </p:txBody>
       </p:sp>
@@ -3762,11 +4199,12 @@
         <p:spPr/>
         <p:txBody>
           <a:bodyPr/>
-          <a:lstStyle/>
-          <a:p>
-            <a:r>
-              <a:t>Conclusion</a:t>
-            </a:r>
+          <a:p>
+            <a:r>
+              <a:rPr lang="en-US" altLang="en-GB"/>
+              <a:t> Machine Learning (Optional)</a:t>
+            </a:r>
+            <a:endParaRPr lang="en-US" altLang="en-GB"/>
           </a:p>
         </p:txBody>
       </p:sp>
@@ -3783,39 +4221,26 @@
         <p:spPr/>
         <p:txBody>
           <a:bodyPr/>
-          <a:lstStyle/>
-          <a:p>
-            <a:r>
-              <a:t>Summary of Insights</a:t>
-            </a:r>
-          </a:p>
-          <a:p>
-            <a:pPr lvl="1"/>
-            <a:r>
-              <a:t>Recap of the main findings</a:t>
-            </a:r>
-          </a:p>
-          <a:p>
-            <a:r>
-              <a:t>Lessons Learned</a:t>
-            </a:r>
-          </a:p>
-          <a:p>
-            <a:pPr lvl="1"/>
-            <a:r>
-              <a:t>What students learned through the project</a:t>
-            </a:r>
-          </a:p>
-          <a:p>
-            <a:r>
-              <a:t>Future Work</a:t>
-            </a:r>
-          </a:p>
-          <a:p>
-            <a:pPr lvl="1"/>
-            <a:r>
-              <a:t>Suggestions for further analysis or research</a:t>
-            </a:r>
+          <a:p>
+            <a:r>
+              <a:rPr lang="en-US" altLang="en-GB"/>
+              <a:t>Select appropriate Hugging Face models / LLMs </a:t>
+            </a:r>
+            <a:endParaRPr lang="en-US" altLang="en-GB"/>
+          </a:p>
+          <a:p>
+            <a:r>
+              <a:rPr lang="en-US" altLang="en-GB"/>
+              <a:t>Apply selected model(s) on data </a:t>
+            </a:r>
+            <a:endParaRPr lang="en-US" altLang="en-GB"/>
+          </a:p>
+          <a:p>
+            <a:r>
+              <a:rPr lang="en-US" altLang="en-GB"/>
+              <a:t>Document model usage</a:t>
+            </a:r>
+            <a:endParaRPr lang="en-US" altLang="en-GB"/>
           </a:p>
         </p:txBody>
       </p:sp>
@@ -3850,11 +4275,12 @@
         <p:spPr/>
         <p:txBody>
           <a:bodyPr/>
-          <a:lstStyle/>
-          <a:p>
-            <a:r>
-              <a:t>Q&amp;A</a:t>
-            </a:r>
+          <a:p>
+            <a:r>
+              <a:rPr lang="en-US" altLang="en-GB"/>
+              <a:t>Data Visualization &amp; Storytelling</a:t>
+            </a:r>
+            <a:endParaRPr lang="en-US" altLang="en-GB"/>
           </a:p>
         </p:txBody>
       </p:sp>
@@ -3871,17 +4297,40 @@
         <p:spPr/>
         <p:txBody>
           <a:bodyPr/>
-          <a:lstStyle/>
-          <a:p>
-            <a:r>
-              <a:t>Invite Questions</a:t>
-            </a:r>
-          </a:p>
-          <a:p>
-            <a:pPr lvl="1"/>
-            <a:r>
-              <a:t>Open the floor for any questions from the audience</a:t>
-            </a:r>
+          <a:p>
+            <a:r>
+              <a:rPr lang="en-US" altLang="en-GB"/>
+              <a:t>Choose visualization tools</a:t>
+            </a:r>
+            <a:endParaRPr lang="en-US" altLang="en-GB"/>
+          </a:p>
+          <a:p>
+            <a:r>
+              <a:rPr lang="en-US" altLang="en-GB"/>
+              <a:t>Create meaningful charts/graphs</a:t>
+            </a:r>
+            <a:endParaRPr lang="en-US" altLang="en-GB"/>
+          </a:p>
+          <a:p>
+            <a:r>
+              <a:rPr lang="en-US" altLang="en-GB"/>
+              <a:t>Design interactive dashboards</a:t>
+            </a:r>
+            <a:endParaRPr lang="en-US" altLang="en-GB"/>
+          </a:p>
+          <a:p>
+            <a:r>
+              <a:rPr lang="en-US" altLang="en-GB"/>
+              <a:t>Develop narrative structure</a:t>
+            </a:r>
+            <a:endParaRPr lang="en-US" altLang="en-GB"/>
+          </a:p>
+          <a:p>
+            <a:r>
+              <a:rPr lang="en-US" altLang="en-GB"/>
+              <a:t>Present insights effectively</a:t>
+            </a:r>
+            <a:endParaRPr lang="en-US" altLang="en-GB"/>
           </a:p>
         </p:txBody>
       </p:sp>
